--- a/Presentations/Common_Cancer_Model_Ontology-Koln_EU_WGM_Presentation.pptx
+++ b/Presentations/Common_Cancer_Model_Ontology-Koln_EU_WGM_Presentation.pptx
@@ -228,7 +228,7 @@
           <a:p>
             <a:fld id="{390F5EF1-9864-483A-A208-1115AF0E6E3C}" type="datetimeFigureOut">
               <a:rPr lang="it-IT" smtClean="0"/>
-              <a:t>29/11/2025</a:t>
+              <a:t>01/12/2025</a:t>
             </a:fld>
             <a:endParaRPr lang="it-IT"/>
           </a:p>
@@ -408,7 +408,7 @@
             <a:fld id="{A8ADFD5B-A66C-449C-B6E8-FB716D07777D}" type="datetimeFigureOut">
               <a:rPr lang="it-IT"/>
               <a:pPr/>
-              <a:t>29/11/2025</a:t>
+              <a:t>01/12/2025</a:t>
             </a:fld>
             <a:endParaRPr lang="it-IT"/>
           </a:p>
@@ -1421,7 +1421,7 @@
           <a:p>
             <a:fld id="{5BED2B4E-6BD2-45CA-BDD0-9481C6349AF0}" type="datetimeFigureOut">
               <a:rPr lang="it-IT" smtClean="0"/>
-              <a:t>29/11/2025</a:t>
+              <a:t>01/12/2025</a:t>
             </a:fld>
             <a:endParaRPr lang="it-IT"/>
           </a:p>
@@ -1696,7 +1696,7 @@
           <a:p>
             <a:fld id="{5BED2B4E-6BD2-45CA-BDD0-9481C6349AF0}" type="datetimeFigureOut">
               <a:rPr lang="it-IT" smtClean="0"/>
-              <a:t>29/11/2025</a:t>
+              <a:t>01/12/2025</a:t>
             </a:fld>
             <a:endParaRPr lang="it-IT"/>
           </a:p>
@@ -1961,7 +1961,7 @@
           <a:p>
             <a:fld id="{5BED2B4E-6BD2-45CA-BDD0-9481C6349AF0}" type="datetimeFigureOut">
               <a:rPr lang="it-IT" smtClean="0"/>
-              <a:t>29/11/2025</a:t>
+              <a:t>01/12/2025</a:t>
             </a:fld>
             <a:endParaRPr lang="it-IT"/>
           </a:p>
@@ -2373,7 +2373,7 @@
           <a:p>
             <a:fld id="{5BED2B4E-6BD2-45CA-BDD0-9481C6349AF0}" type="datetimeFigureOut">
               <a:rPr lang="it-IT" smtClean="0"/>
-              <a:t>29/11/2025</a:t>
+              <a:t>01/12/2025</a:t>
             </a:fld>
             <a:endParaRPr lang="it-IT"/>
           </a:p>
@@ -2514,7 +2514,7 @@
           <a:p>
             <a:fld id="{5BED2B4E-6BD2-45CA-BDD0-9481C6349AF0}" type="datetimeFigureOut">
               <a:rPr lang="it-IT" smtClean="0"/>
-              <a:t>29/11/2025</a:t>
+              <a:t>01/12/2025</a:t>
             </a:fld>
             <a:endParaRPr lang="it-IT"/>
           </a:p>
@@ -2627,7 +2627,7 @@
           <a:p>
             <a:fld id="{5BED2B4E-6BD2-45CA-BDD0-9481C6349AF0}" type="datetimeFigureOut">
               <a:rPr lang="it-IT" smtClean="0"/>
-              <a:t>29/11/2025</a:t>
+              <a:t>01/12/2025</a:t>
             </a:fld>
             <a:endParaRPr lang="it-IT"/>
           </a:p>
@@ -2938,7 +2938,7 @@
           <a:p>
             <a:fld id="{5BED2B4E-6BD2-45CA-BDD0-9481C6349AF0}" type="datetimeFigureOut">
               <a:rPr lang="it-IT" smtClean="0"/>
-              <a:t>29/11/2025</a:t>
+              <a:t>01/12/2025</a:t>
             </a:fld>
             <a:endParaRPr lang="it-IT"/>
           </a:p>
@@ -3226,7 +3226,7 @@
           <a:p>
             <a:fld id="{5BED2B4E-6BD2-45CA-BDD0-9481C6349AF0}" type="datetimeFigureOut">
               <a:rPr lang="it-IT" smtClean="0"/>
-              <a:t>29/11/2025</a:t>
+              <a:t>01/12/2025</a:t>
             </a:fld>
             <a:endParaRPr lang="it-IT"/>
           </a:p>
@@ -3424,7 +3424,7 @@
           <a:p>
             <a:fld id="{5BED2B4E-6BD2-45CA-BDD0-9481C6349AF0}" type="datetimeFigureOut">
               <a:rPr lang="it-IT" smtClean="0"/>
-              <a:t>29/11/2025</a:t>
+              <a:t>01/12/2025</a:t>
             </a:fld>
             <a:endParaRPr lang="it-IT"/>
           </a:p>
@@ -3632,7 +3632,7 @@
           <a:p>
             <a:fld id="{5BED2B4E-6BD2-45CA-BDD0-9481C6349AF0}" type="datetimeFigureOut">
               <a:rPr lang="it-IT" smtClean="0"/>
-              <a:t>29/11/2025</a:t>
+              <a:t>01/12/2025</a:t>
             </a:fld>
             <a:endParaRPr lang="it-IT"/>
           </a:p>
@@ -4380,7 +4380,7 @@
             <a:fld id="{E4606EA6-EFEA-4C30-9264-4F9291A5780D}" type="datetime1">
               <a:rPr lang="it-IT"/>
               <a:pPr/>
-              <a:t>29/11/2025</a:t>
+              <a:t>01/12/2025</a:t>
             </a:fld>
             <a:endParaRPr kumimoji="0" lang="it-IT"/>
           </a:p>
@@ -4627,7 +4627,7 @@
             <a:fld id="{E4606EA6-EFEA-4C30-9264-4F9291A5780D}" type="datetime1">
               <a:rPr lang="it-IT"/>
               <a:pPr/>
-              <a:t>29/11/2025</a:t>
+              <a:t>01/12/2025</a:t>
             </a:fld>
             <a:endParaRPr kumimoji="0" lang="it-IT"/>
           </a:p>
@@ -4803,7 +4803,7 @@
             <a:fld id="{6DFADB5D-B7A0-47E3-AD2D-B1A6F8614213}" type="datetime1">
               <a:rPr lang="it-IT"/>
               <a:pPr/>
-              <a:t>29/11/2025</a:t>
+              <a:t>01/12/2025</a:t>
             </a:fld>
             <a:endParaRPr kumimoji="0" lang="it-IT"/>
           </a:p>
@@ -4908,7 +4908,7 @@
             <a:fld id="{F49A8198-4617-485E-9585-4840B69DBBA6}" type="datetime1">
               <a:rPr lang="it-IT"/>
               <a:pPr/>
-              <a:t>29/11/2025</a:t>
+              <a:t>01/12/2025</a:t>
             </a:fld>
             <a:endParaRPr kumimoji="0" lang="it-IT"/>
           </a:p>
@@ -5457,7 +5457,7 @@
             <a:fld id="{E4606EA6-EFEA-4C30-9264-4F9291A5780D}" type="datetime1">
               <a:rPr lang="it-IT"/>
               <a:pPr/>
-              <a:t>29/11/2025</a:t>
+              <a:t>01/12/2025</a:t>
             </a:fld>
             <a:endParaRPr kumimoji="0" lang="it-IT"/>
           </a:p>
@@ -5714,7 +5714,7 @@
           <a:p>
             <a:fld id="{5BED2B4E-6BD2-45CA-BDD0-9481C6349AF0}" type="datetimeFigureOut">
               <a:rPr lang="it-IT" smtClean="0"/>
-              <a:t>29/11/2025</a:t>
+              <a:t>01/12/2025</a:t>
             </a:fld>
             <a:endParaRPr lang="it-IT"/>
           </a:p>
@@ -5906,7 +5906,7 @@
             <a:fld id="{E4606EA6-EFEA-4C30-9264-4F9291A5780D}" type="datetime1">
               <a:rPr lang="it-IT"/>
               <a:pPr/>
-              <a:t>29/11/2025</a:t>
+              <a:t>01/12/2025</a:t>
             </a:fld>
             <a:endParaRPr kumimoji="0" lang="it-IT" sz="1400">
               <a:solidFill>
@@ -6631,7 +6631,7 @@
           <a:p>
             <a:fld id="{5BED2B4E-6BD2-45CA-BDD0-9481C6349AF0}" type="datetimeFigureOut">
               <a:rPr lang="it-IT" smtClean="0"/>
-              <a:t>29/11/2025</a:t>
+              <a:t>01/12/2025</a:t>
             </a:fld>
             <a:endParaRPr lang="it-IT"/>
           </a:p>
@@ -7213,8 +7213,8 @@
         </p:nvSpPr>
         <p:spPr>
           <a:xfrm>
-            <a:off x="35496" y="4659982"/>
-            <a:ext cx="1432584" cy="307777"/>
+            <a:off x="-9341" y="4659982"/>
+            <a:ext cx="1629013" cy="307777"/>
           </a:xfrm>
           <a:prstGeom prst="rect">
             <a:avLst/>
@@ -7458,7 +7458,7 @@
                 <a:effectLst/>
                 <a:latin typeface="Tw Cen MT" panose="020B0602020104020603" pitchFamily="34" charset="0"/>
               </a:rPr>
-              <a:t>develop mappings between ontological concepts and FHIR resources.</a:t>
+              <a:t>develop mappings between ontological concepts and FHIR resources (and not only).</a:t>
             </a:r>
           </a:p>
           <a:p>
@@ -7554,7 +7554,7 @@
                 <a:effectLst/>
                 <a:latin typeface="Tw Cen MT" panose="020B0602020104020603" pitchFamily="34" charset="0"/>
               </a:rPr>
-              <a:t> is to understand the bidirectional </a:t>
+              <a:t> is also to understand the bidirectional </a:t>
             </a:r>
             <a:r>
               <a:rPr lang="en-US" sz="1400" b="1" dirty="0">
@@ -7778,8 +7778,8 @@
         </p:nvSpPr>
         <p:spPr>
           <a:xfrm>
-            <a:off x="609600" y="1275174"/>
-            <a:ext cx="5690592" cy="3672840"/>
+            <a:off x="539552" y="1203166"/>
+            <a:ext cx="5760640" cy="3672840"/>
           </a:xfrm>
         </p:spPr>
         <p:txBody>
@@ -7790,7 +7790,7 @@
           <a:p>
             <a:r>
               <a:rPr lang="en-US" sz="1400" dirty="0"/>
-              <a:t>The initial OWL 2 model was generated from the European Cancer Common Conceptual Model v2, developed with Claude 3.7 Sonnet Large Language Model (LLM). </a:t>
+              <a:t>The initial OWL 2 model was generated from the initial European Cancer Common Conceptual Model, developed with Claude 3.7 Sonnet Large Language Model (LLM). </a:t>
             </a:r>
           </a:p>
           <a:p>
@@ -7875,7 +7875,7 @@
         </p:blipFill>
         <p:spPr>
           <a:xfrm>
-            <a:off x="6292313" y="1100064"/>
+            <a:off x="6156176" y="1100064"/>
             <a:ext cx="1080120" cy="900538"/>
           </a:xfrm>
           <a:prstGeom prst="rect">
@@ -7921,7 +7921,7 @@
         </p:blipFill>
         <p:spPr>
           <a:xfrm>
-            <a:off x="8018476" y="1308048"/>
+            <a:off x="7882339" y="1308048"/>
             <a:ext cx="497894" cy="502904"/>
           </a:xfrm>
           <a:prstGeom prst="rect">
@@ -7947,7 +7947,7 @@
         </p:nvCxnSpPr>
         <p:spPr>
           <a:xfrm>
-            <a:off x="7372433" y="1550333"/>
+            <a:off x="7236296" y="1550333"/>
             <a:ext cx="646043" cy="9167"/>
           </a:xfrm>
           <a:prstGeom prst="straightConnector1">
@@ -8000,7 +8000,7 @@
         </p:blipFill>
         <p:spPr>
           <a:xfrm>
-            <a:off x="7156620" y="3021850"/>
+            <a:off x="7020483" y="3021850"/>
             <a:ext cx="389093" cy="389093"/>
           </a:xfrm>
           <a:prstGeom prst="rect">
@@ -8036,7 +8036,7 @@
         </p:blipFill>
         <p:spPr>
           <a:xfrm>
-            <a:off x="8038243" y="2367480"/>
+            <a:off x="7902106" y="2367480"/>
             <a:ext cx="450750" cy="420294"/>
           </a:xfrm>
           <a:prstGeom prst="rect">
@@ -8084,7 +8084,7 @@
         </p:blipFill>
         <p:spPr>
           <a:xfrm>
-            <a:off x="8427643" y="3062172"/>
+            <a:off x="8291506" y="3062172"/>
             <a:ext cx="507595" cy="298994"/>
           </a:xfrm>
           <a:prstGeom prst="rect">
@@ -8120,7 +8120,7 @@
         </p:blipFill>
         <p:spPr>
           <a:xfrm>
-            <a:off x="7393887" y="3579862"/>
+            <a:off x="7257750" y="3579862"/>
             <a:ext cx="792088" cy="511024"/>
           </a:xfrm>
           <a:prstGeom prst="rect">
@@ -8144,7 +8144,7 @@
         </p:nvCxnSpPr>
         <p:spPr>
           <a:xfrm flipH="1">
-            <a:off x="7610726" y="2848710"/>
+            <a:off x="7474589" y="2848710"/>
             <a:ext cx="333441" cy="205640"/>
           </a:xfrm>
           <a:prstGeom prst="straightConnector1">
@@ -8188,7 +8188,7 @@
         </p:nvCxnSpPr>
         <p:spPr>
           <a:xfrm flipV="1">
-            <a:off x="7545713" y="3211669"/>
+            <a:off x="7409576" y="3211669"/>
             <a:ext cx="881930" cy="4728"/>
           </a:xfrm>
           <a:prstGeom prst="straightConnector1">
@@ -8242,7 +8242,7 @@
         </p:blipFill>
         <p:spPr>
           <a:xfrm>
-            <a:off x="6588224" y="4173791"/>
+            <a:off x="6452087" y="4173791"/>
             <a:ext cx="512231" cy="517384"/>
           </a:xfrm>
           <a:prstGeom prst="rect">
@@ -8266,7 +8266,7 @@
         </p:nvCxnSpPr>
         <p:spPr>
           <a:xfrm flipV="1">
-            <a:off x="7085954" y="4019802"/>
+            <a:off x="6949817" y="4019802"/>
             <a:ext cx="385714" cy="256475"/>
           </a:xfrm>
           <a:prstGeom prst="straightConnector1">
@@ -8319,7 +8319,7 @@
         </p:blipFill>
         <p:spPr>
           <a:xfrm>
-            <a:off x="8361523" y="3607283"/>
+            <a:off x="8225386" y="3607283"/>
             <a:ext cx="727051" cy="426801"/>
           </a:xfrm>
           <a:prstGeom prst="rect">
@@ -8345,7 +8345,7 @@
         </p:nvCxnSpPr>
         <p:spPr>
           <a:xfrm flipV="1">
-            <a:off x="8516371" y="4034084"/>
+            <a:off x="8380234" y="4034084"/>
             <a:ext cx="208678" cy="270389"/>
           </a:xfrm>
           <a:prstGeom prst="straightConnector1">
@@ -8398,7 +8398,7 @@
         </p:blipFill>
         <p:spPr>
           <a:xfrm>
-            <a:off x="7520860" y="4342714"/>
+            <a:off x="7384723" y="4342714"/>
             <a:ext cx="517383" cy="517383"/>
           </a:xfrm>
           <a:prstGeom prst="rect">
@@ -8424,7 +8424,7 @@
         </p:nvCxnSpPr>
         <p:spPr>
           <a:xfrm>
-            <a:off x="7100455" y="4432483"/>
+            <a:off x="6964318" y="4432483"/>
             <a:ext cx="420405" cy="168923"/>
           </a:xfrm>
           <a:prstGeom prst="straightConnector1">
@@ -8464,7 +8464,7 @@
         </p:nvSpPr>
         <p:spPr>
           <a:xfrm>
-            <a:off x="7944167" y="4304473"/>
+            <a:off x="7808030" y="4304473"/>
             <a:ext cx="1144407" cy="553998"/>
           </a:xfrm>
           <a:prstGeom prst="rect">
@@ -8517,7 +8517,7 @@
         </p:nvCxnSpPr>
         <p:spPr>
           <a:xfrm>
-            <a:off x="8038243" y="3835374"/>
+            <a:off x="7902106" y="3835374"/>
             <a:ext cx="372516" cy="0"/>
           </a:xfrm>
           <a:prstGeom prst="straightConnector1">
@@ -8556,7 +8556,7 @@
         </p:nvSpPr>
         <p:spPr>
           <a:xfrm>
-            <a:off x="6292313" y="1991143"/>
+            <a:off x="6156176" y="1991143"/>
             <a:ext cx="1080120" cy="246221"/>
           </a:xfrm>
           <a:prstGeom prst="rect">
@@ -8593,15 +8593,15 @@
           </p:cNvPr>
           <p:cNvCxnSpPr>
             <a:cxnSpLocks/>
-            <a:stCxn id="7" idx="2"/>
+            <a:stCxn id="14" idx="2"/>
             <a:endCxn id="19" idx="0"/>
           </p:cNvCxnSpPr>
           <p:nvPr/>
         </p:nvCxnSpPr>
         <p:spPr>
           <a:xfrm flipH="1">
-            <a:off x="8263618" y="1810952"/>
-            <a:ext cx="3805" cy="556528"/>
+            <a:off x="8127481" y="1910524"/>
+            <a:ext cx="11319" cy="456956"/>
           </a:xfrm>
           <a:prstGeom prst="straightConnector1">
             <a:avLst/>
@@ -8643,7 +8643,7 @@
         </p:nvCxnSpPr>
         <p:spPr>
           <a:xfrm rot="10800000" flipV="1">
-            <a:off x="6844341" y="2577627"/>
+            <a:off x="6708204" y="2577627"/>
             <a:ext cx="1193903" cy="1596164"/>
           </a:xfrm>
           <a:prstGeom prst="bentConnector2">
@@ -8682,7 +8682,7 @@
         </p:nvSpPr>
         <p:spPr>
           <a:xfrm>
-            <a:off x="6591526" y="2238512"/>
+            <a:off x="6455389" y="2238512"/>
             <a:ext cx="2498569" cy="2645929"/>
           </a:xfrm>
           <a:prstGeom prst="roundRect">
@@ -8750,7 +8750,7 @@
         </p:blipFill>
         <p:spPr>
           <a:xfrm>
-            <a:off x="7055552" y="3905365"/>
+            <a:off x="6919415" y="3905365"/>
             <a:ext cx="250561" cy="250561"/>
           </a:xfrm>
           <a:prstGeom prst="rect">
@@ -8758,6 +8758,159 @@
           </a:prstGeom>
         </p:spPr>
       </p:pic>
+      <p:sp>
+        <p:nvSpPr>
+          <p:cNvPr id="4" name="CasellaDiTesto 3">
+            <a:extLst>
+              <a:ext uri="{FF2B5EF4-FFF2-40B4-BE49-F238E27FC236}">
+                <a16:creationId xmlns:a16="http://schemas.microsoft.com/office/drawing/2014/main" id="{82D88366-A0A5-6909-261A-E53084E35AA9}"/>
+              </a:ext>
+            </a:extLst>
+          </p:cNvPr>
+          <p:cNvSpPr txBox="1"/>
+          <p:nvPr/>
+        </p:nvSpPr>
+        <p:spPr>
+          <a:xfrm>
+            <a:off x="6400934" y="4534969"/>
+            <a:ext cx="619913" cy="246221"/>
+          </a:xfrm>
+          <a:prstGeom prst="rect">
+            <a:avLst/>
+          </a:prstGeom>
+          <a:noFill/>
+        </p:spPr>
+        <p:txBody>
+          <a:bodyPr wrap="square" rtlCol="0">
+            <a:spAutoFit/>
+          </a:bodyPr>
+          <a:lstStyle/>
+          <a:p>
+            <a:pPr algn="ctr"/>
+            <a:r>
+              <a:rPr lang="it-IT" sz="1000" b="1" dirty="0"/>
+              <a:t>Claude</a:t>
+            </a:r>
+          </a:p>
+        </p:txBody>
+      </p:sp>
+      <p:sp>
+        <p:nvSpPr>
+          <p:cNvPr id="6" name="CasellaDiTesto 5">
+            <a:extLst>
+              <a:ext uri="{FF2B5EF4-FFF2-40B4-BE49-F238E27FC236}">
+                <a16:creationId xmlns:a16="http://schemas.microsoft.com/office/drawing/2014/main" id="{5FB35F50-BFA6-29BE-742A-04F89DBE81AD}"/>
+              </a:ext>
+            </a:extLst>
+          </p:cNvPr>
+          <p:cNvSpPr txBox="1"/>
+          <p:nvPr/>
+        </p:nvSpPr>
+        <p:spPr>
+          <a:xfrm>
+            <a:off x="6659305" y="3342400"/>
+            <a:ext cx="1160934" cy="230832"/>
+          </a:xfrm>
+          <a:prstGeom prst="rect">
+            <a:avLst/>
+          </a:prstGeom>
+          <a:noFill/>
+        </p:spPr>
+        <p:txBody>
+          <a:bodyPr wrap="square" rtlCol="0">
+            <a:spAutoFit/>
+          </a:bodyPr>
+          <a:lstStyle/>
+          <a:p>
+            <a:pPr algn="ctr"/>
+            <a:r>
+              <a:rPr lang="it-IT" sz="900" b="1" dirty="0"/>
+              <a:t>Catia </a:t>
+            </a:r>
+            <a:r>
+              <a:rPr lang="it-IT" sz="900" b="1" dirty="0" err="1"/>
+              <a:t>MagicDraw</a:t>
+            </a:r>
+            <a:endParaRPr lang="it-IT" sz="900" b="1" dirty="0"/>
+          </a:p>
+        </p:txBody>
+      </p:sp>
+      <p:sp>
+        <p:nvSpPr>
+          <p:cNvPr id="8" name="CasellaDiTesto 7">
+            <a:extLst>
+              <a:ext uri="{FF2B5EF4-FFF2-40B4-BE49-F238E27FC236}">
+                <a16:creationId xmlns:a16="http://schemas.microsoft.com/office/drawing/2014/main" id="{5CE6DDAB-5F02-CFFF-C254-A99AE3DFF315}"/>
+              </a:ext>
+            </a:extLst>
+          </p:cNvPr>
+          <p:cNvSpPr txBox="1"/>
+          <p:nvPr/>
+        </p:nvSpPr>
+        <p:spPr>
+          <a:xfrm>
+            <a:off x="8164565" y="3318135"/>
+            <a:ext cx="848691" cy="230832"/>
+          </a:xfrm>
+          <a:prstGeom prst="rect">
+            <a:avLst/>
+          </a:prstGeom>
+          <a:noFill/>
+        </p:spPr>
+        <p:txBody>
+          <a:bodyPr wrap="square" rtlCol="0">
+            <a:spAutoFit/>
+          </a:bodyPr>
+          <a:lstStyle/>
+          <a:p>
+            <a:pPr algn="ctr"/>
+            <a:r>
+              <a:rPr lang="it-IT" sz="900" b="1" dirty="0" err="1"/>
+              <a:t>Papyrus</a:t>
+            </a:r>
+            <a:r>
+              <a:rPr lang="it-IT" sz="900" b="1" dirty="0"/>
+              <a:t> UML</a:t>
+            </a:r>
+          </a:p>
+        </p:txBody>
+      </p:sp>
+      <p:sp>
+        <p:nvSpPr>
+          <p:cNvPr id="14" name="CasellaDiTesto 13">
+            <a:extLst>
+              <a:ext uri="{FF2B5EF4-FFF2-40B4-BE49-F238E27FC236}">
+                <a16:creationId xmlns:a16="http://schemas.microsoft.com/office/drawing/2014/main" id="{669D3C54-CBF8-1A99-DF25-49D06CFE2562}"/>
+              </a:ext>
+            </a:extLst>
+          </p:cNvPr>
+          <p:cNvSpPr txBox="1"/>
+          <p:nvPr/>
+        </p:nvSpPr>
+        <p:spPr>
+          <a:xfrm>
+            <a:off x="7828843" y="1664303"/>
+            <a:ext cx="619913" cy="246221"/>
+          </a:xfrm>
+          <a:prstGeom prst="rect">
+            <a:avLst/>
+          </a:prstGeom>
+          <a:noFill/>
+        </p:spPr>
+        <p:txBody>
+          <a:bodyPr wrap="square" rtlCol="0">
+            <a:spAutoFit/>
+          </a:bodyPr>
+          <a:lstStyle/>
+          <a:p>
+            <a:pPr algn="ctr"/>
+            <a:r>
+              <a:rPr lang="it-IT" sz="1000" b="1" dirty="0"/>
+              <a:t>Claude</a:t>
+            </a:r>
+          </a:p>
+        </p:txBody>
+      </p:sp>
     </p:spTree>
   </p:cSld>
   <p:clrMapOvr>
@@ -8829,17 +8982,19 @@
         </p:nvSpPr>
         <p:spPr>
           <a:xfrm>
-            <a:off x="628260" y="1239921"/>
-            <a:ext cx="8153400" cy="715144"/>
-          </a:xfrm>
-        </p:spPr>
-        <p:txBody>
-          <a:bodyPr/>
+            <a:off x="521031" y="1231670"/>
+            <a:ext cx="8153400" cy="1167177"/>
+          </a:xfrm>
+        </p:spPr>
+        <p:txBody>
+          <a:bodyPr>
+            <a:normAutofit/>
+          </a:bodyPr>
           <a:lstStyle/>
           <a:p>
             <a:r>
               <a:rPr lang="en-US" sz="1400" dirty="0"/>
-              <a:t>Resolve some minor doubts about the formal model (e.g., multiplicity of relationships)</a:t>
+              <a:t>Resolve some minor aspects about the formal model (e.g., validate multiplicity of relationships)</a:t>
             </a:r>
           </a:p>
           <a:p>
@@ -8848,205 +9003,6 @@
               <a:t>continuous alignment with model developments (also against the logical model)</a:t>
             </a:r>
           </a:p>
-        </p:txBody>
-      </p:sp>
-      <p:sp>
-        <p:nvSpPr>
-          <p:cNvPr id="5" name="Segnaposto contenuto 2">
-            <a:extLst>
-              <a:ext uri="{FF2B5EF4-FFF2-40B4-BE49-F238E27FC236}">
-                <a16:creationId xmlns:a16="http://schemas.microsoft.com/office/drawing/2014/main" id="{8E67A210-F193-870E-B42D-58ECE1B0B554}"/>
-              </a:ext>
-            </a:extLst>
-          </p:cNvPr>
-          <p:cNvSpPr txBox="1">
-            <a:spLocks/>
-          </p:cNvSpPr>
-          <p:nvPr/>
-        </p:nvSpPr>
-        <p:spPr>
-          <a:xfrm>
-            <a:off x="621432" y="1986627"/>
-            <a:ext cx="8052999" cy="503160"/>
-          </a:xfrm>
-          <a:prstGeom prst="rect">
-            <a:avLst/>
-          </a:prstGeom>
-        </p:spPr>
-        <p:txBody>
-          <a:bodyPr vert="horz">
-            <a:normAutofit lnSpcReduction="10000"/>
-          </a:bodyPr>
-          <a:lstStyle>
-            <a:lvl1pPr marL="320040" indent="-320040" algn="l" rtl="0" eaLnBrk="1" latinLnBrk="0" hangingPunct="1">
-              <a:spcBef>
-                <a:spcPts val="700"/>
-              </a:spcBef>
-              <a:buClr>
-                <a:schemeClr val="accent2"/>
-              </a:buClr>
-              <a:buSzPct val="60000"/>
-              <a:buFont typeface="Wingdings" panose="05000000000000000000" pitchFamily="2" charset="2"/>
-              <a:buChar char=""/>
-              <a:defRPr kumimoji="0" lang="it-IT" sz="1800" kern="1200">
-                <a:solidFill>
-                  <a:schemeClr val="tx1"/>
-                </a:solidFill>
-                <a:latin typeface="+mn-lt"/>
-                <a:ea typeface="+mn-ea"/>
-                <a:cs typeface="+mn-cs"/>
-              </a:defRPr>
-            </a:lvl1pPr>
-            <a:lvl2pPr marL="640080" indent="-274320" algn="l" rtl="0" eaLnBrk="1" latinLnBrk="0" hangingPunct="1">
-              <a:spcBef>
-                <a:spcPts val="550"/>
-              </a:spcBef>
-              <a:buClr>
-                <a:srgbClr val="FF0000"/>
-              </a:buClr>
-              <a:buSzPct val="70000"/>
-              <a:buFont typeface="Wingdings 2"/>
-              <a:buChar char=""/>
-              <a:defRPr kumimoji="0" lang="it-IT" sz="1800" kern="1200">
-                <a:solidFill>
-                  <a:schemeClr val="tx1"/>
-                </a:solidFill>
-                <a:latin typeface="+mn-lt"/>
-                <a:ea typeface="+mn-ea"/>
-                <a:cs typeface="+mn-cs"/>
-              </a:defRPr>
-            </a:lvl2pPr>
-            <a:lvl3pPr marL="914400" indent="-228600" algn="l" rtl="0" eaLnBrk="1" latinLnBrk="0" hangingPunct="1">
-              <a:spcBef>
-                <a:spcPts val="500"/>
-              </a:spcBef>
-              <a:buClr>
-                <a:schemeClr val="accent2"/>
-              </a:buClr>
-              <a:buSzPct val="75000"/>
-              <a:buFont typeface="Wingdings"/>
-              <a:buChar char=""/>
-              <a:defRPr kumimoji="0" lang="it-IT" sz="1800" kern="1200">
-                <a:solidFill>
-                  <a:schemeClr val="tx1"/>
-                </a:solidFill>
-                <a:latin typeface="+mn-lt"/>
-                <a:ea typeface="+mn-ea"/>
-                <a:cs typeface="+mn-cs"/>
-              </a:defRPr>
-            </a:lvl3pPr>
-            <a:lvl4pPr marL="1371600" indent="-228600" algn="l" rtl="0" eaLnBrk="1" latinLnBrk="0" hangingPunct="1">
-              <a:spcBef>
-                <a:spcPts val="400"/>
-              </a:spcBef>
-              <a:buClr>
-                <a:schemeClr val="accent3"/>
-              </a:buClr>
-              <a:buSzPct val="75000"/>
-              <a:buFont typeface="Wingdings"/>
-              <a:buChar char=""/>
-              <a:defRPr kumimoji="0" lang="it-IT" sz="1800" kern="1200">
-                <a:solidFill>
-                  <a:schemeClr val="tx1"/>
-                </a:solidFill>
-                <a:latin typeface="+mn-lt"/>
-                <a:ea typeface="+mn-ea"/>
-                <a:cs typeface="+mn-cs"/>
-              </a:defRPr>
-            </a:lvl4pPr>
-            <a:lvl5pPr marL="1828800" indent="-228600" algn="l" rtl="0" eaLnBrk="1" latinLnBrk="0" hangingPunct="1">
-              <a:spcBef>
-                <a:spcPts val="400"/>
-              </a:spcBef>
-              <a:buClr>
-                <a:schemeClr val="accent3"/>
-              </a:buClr>
-              <a:buSzPct val="65000"/>
-              <a:buFont typeface="Wingdings"/>
-              <a:buChar char=""/>
-              <a:defRPr kumimoji="0" lang="it-IT" sz="1800" kern="1200">
-                <a:solidFill>
-                  <a:schemeClr val="tx1"/>
-                </a:solidFill>
-                <a:latin typeface="+mn-lt"/>
-                <a:ea typeface="+mn-ea"/>
-                <a:cs typeface="+mn-cs"/>
-              </a:defRPr>
-            </a:lvl5pPr>
-            <a:lvl6pPr marL="2103120" indent="-228600" algn="l" rtl="0" eaLnBrk="1" latinLnBrk="0" hangingPunct="1">
-              <a:spcBef>
-                <a:spcPct val="20000"/>
-              </a:spcBef>
-              <a:buClr>
-                <a:schemeClr val="accent1"/>
-              </a:buClr>
-              <a:buFont typeface="Wingdings"/>
-              <a:buNone/>
-              <a:defRPr kumimoji="0" lang="it-IT" sz="1800" kern="1200" baseline="0">
-                <a:solidFill>
-                  <a:schemeClr val="tx1"/>
-                </a:solidFill>
-                <a:latin typeface="+mn-lt"/>
-                <a:ea typeface="+mn-ea"/>
-                <a:cs typeface="+mn-cs"/>
-              </a:defRPr>
-            </a:lvl6pPr>
-            <a:lvl7pPr marL="2377440" indent="-228600" algn="l" rtl="0" eaLnBrk="1" latinLnBrk="0" hangingPunct="1">
-              <a:spcBef>
-                <a:spcPct val="20000"/>
-              </a:spcBef>
-              <a:buClr>
-                <a:schemeClr val="accent2"/>
-              </a:buClr>
-              <a:buFont typeface="Wingdings"/>
-              <a:buChar char="§"/>
-              <a:defRPr kumimoji="0" lang="it-IT" sz="1800" kern="1200" baseline="0">
-                <a:solidFill>
-                  <a:schemeClr val="tx1"/>
-                </a:solidFill>
-                <a:latin typeface="+mn-lt"/>
-                <a:ea typeface="+mn-ea"/>
-                <a:cs typeface="+mn-cs"/>
-              </a:defRPr>
-            </a:lvl7pPr>
-            <a:lvl8pPr marL="2651760" indent="-228600" algn="l" rtl="0" eaLnBrk="1" latinLnBrk="0" hangingPunct="1">
-              <a:spcBef>
-                <a:spcPct val="20000"/>
-              </a:spcBef>
-              <a:buClr>
-                <a:schemeClr val="accent3"/>
-              </a:buClr>
-              <a:buFont typeface="Wingdings"/>
-              <a:buChar char="§"/>
-              <a:defRPr kumimoji="0" lang="it-IT" sz="1800" kern="1200" baseline="0">
-                <a:solidFill>
-                  <a:schemeClr val="tx1"/>
-                </a:solidFill>
-                <a:latin typeface="+mn-lt"/>
-                <a:ea typeface="+mn-ea"/>
-                <a:cs typeface="+mn-cs"/>
-              </a:defRPr>
-            </a:lvl8pPr>
-            <a:lvl9pPr marL="2926080" indent="-228600" algn="l" rtl="0" eaLnBrk="1" latinLnBrk="0" hangingPunct="1">
-              <a:spcBef>
-                <a:spcPct val="20000"/>
-              </a:spcBef>
-              <a:buClr>
-                <a:schemeClr val="accent4"/>
-              </a:buClr>
-              <a:buFont typeface="Wingdings"/>
-              <a:buChar char="§"/>
-              <a:defRPr kumimoji="0" lang="it-IT" sz="1800" kern="1200" baseline="0">
-                <a:solidFill>
-                  <a:schemeClr val="tx1"/>
-                </a:solidFill>
-                <a:latin typeface="+mn-lt"/>
-                <a:ea typeface="+mn-ea"/>
-                <a:cs typeface="+mn-cs"/>
-              </a:defRPr>
-            </a:lvl9pPr>
-            <a:extLst/>
-          </a:lstStyle>
           <a:p>
             <a:r>
               <a:rPr lang="en-US" sz="1400" dirty="0"/>
@@ -9059,6 +9015,9 @@
               <a:rPr lang="en-US" sz="1400" dirty="0"/>
               <a:t>Possible examples (TBD):</a:t>
             </a:r>
+          </a:p>
+          <a:p>
+            <a:endParaRPr lang="en-US" sz="1400" dirty="0"/>
           </a:p>
         </p:txBody>
       </p:sp>
@@ -9718,8 +9677,8 @@
         </p:nvSpPr>
         <p:spPr>
           <a:xfrm>
-            <a:off x="4796811" y="2692240"/>
-            <a:ext cx="3877620" cy="2218373"/>
+            <a:off x="4796811" y="2677588"/>
+            <a:ext cx="3877620" cy="2233026"/>
           </a:xfrm>
           <a:prstGeom prst="rect">
             <a:avLst/>
@@ -9869,7 +9828,7 @@
             </a:r>
             <a:r>
               <a:rPr lang="en-US" sz="1000" b="0" dirty="0"/>
-              <a:t>-horned-owl is accepted (we following OBO guidelines and recommend functional syntax for source).</a:t>
+              <a:t>-horned-owl is accepted.</a:t>
             </a:r>
             <a:endParaRPr lang="it-IT" sz="1000" b="0" dirty="0"/>
           </a:p>
@@ -9889,7 +9848,7 @@
         </p:nvSpPr>
         <p:spPr>
           <a:xfrm>
-            <a:off x="4716016" y="2457108"/>
+            <a:off x="4716016" y="2427734"/>
             <a:ext cx="768159" cy="261610"/>
           </a:xfrm>
           <a:prstGeom prst="rect">
